--- a/Interoperability - vitrual.pptx
+++ b/Interoperability - vitrual.pptx
@@ -108,6 +108,11 @@
       </a:defRPr>
     </a:lvl9pPr>
   </p:defaultTextStyle>
+  <p:extLst>
+    <p:ext uri="{EFAFB233-063F-42B5-8137-9DF3F51BA10A}">
+      <p15:sldGuideLst xmlns:p15="http://schemas.microsoft.com/office/powerpoint/2012/main"/>
+    </p:ext>
+  </p:extLst>
 </p:presentation>
 </file>
 
@@ -161,7 +166,7 @@
           <a:noFill/>
           <a:extLst>
             <a:ext uri="{909E8E84-426E-40dd-AFC4-6F175D3DCCD1}">
-              <a14:hiddenFill xmlns:a14="http://schemas.microsoft.com/office/drawing/2010/main" xmlns="">
+              <a14:hiddenFill xmlns="" xmlns:a14="http://schemas.microsoft.com/office/drawing/2010/main">
                 <a:solidFill>
                   <a:srgbClr val="FFFFFF"/>
                 </a:solidFill>
@@ -221,7 +226,7 @@
             </a:ln>
             <a:extLst>
               <a:ext uri="{91240B29-F687-4f45-9708-019B960494DF}">
-                <a14:hiddenLine xmlns:a14="http://schemas.microsoft.com/office/drawing/2010/main" xmlns="" w="9525">
+                <a14:hiddenLine xmlns="" xmlns:a14="http://schemas.microsoft.com/office/drawing/2010/main" w="9525">
                   <a:solidFill>
                     <a:srgbClr val="000000"/>
                   </a:solidFill>
@@ -311,7 +316,7 @@
             </a:ln>
             <a:extLst>
               <a:ext uri="{91240B29-F687-4f45-9708-019B960494DF}">
-                <a14:hiddenLine xmlns:a14="http://schemas.microsoft.com/office/drawing/2010/main" xmlns="" w="9525">
+                <a14:hiddenLine xmlns="" xmlns:a14="http://schemas.microsoft.com/office/drawing/2010/main" w="9525">
                   <a:solidFill>
                     <a:srgbClr val="000000"/>
                   </a:solidFill>
@@ -401,7 +406,7 @@
             </a:ln>
             <a:extLst>
               <a:ext uri="{91240B29-F687-4f45-9708-019B960494DF}">
-                <a14:hiddenLine xmlns:a14="http://schemas.microsoft.com/office/drawing/2010/main" xmlns="" w="9525">
+                <a14:hiddenLine xmlns="" xmlns:a14="http://schemas.microsoft.com/office/drawing/2010/main" w="9525">
                   <a:solidFill>
                     <a:srgbClr val="000000"/>
                   </a:solidFill>
@@ -435,7 +440,7 @@
             </a:ln>
             <a:extLst>
               <a:ext uri="{91240B29-F687-4f45-9708-019B960494DF}">
-                <a14:hiddenLine xmlns:a14="http://schemas.microsoft.com/office/drawing/2010/main" xmlns="" w="9525">
+                <a14:hiddenLine xmlns="" xmlns:a14="http://schemas.microsoft.com/office/drawing/2010/main" w="9525">
                   <a:solidFill>
                     <a:srgbClr val="000000"/>
                   </a:solidFill>
@@ -525,7 +530,7 @@
             </a:ln>
             <a:extLst>
               <a:ext uri="{91240B29-F687-4f45-9708-019B960494DF}">
-                <a14:hiddenLine xmlns:a14="http://schemas.microsoft.com/office/drawing/2010/main" xmlns="" w="9525">
+                <a14:hiddenLine xmlns="" xmlns:a14="http://schemas.microsoft.com/office/drawing/2010/main" w="9525">
                   <a:solidFill>
                     <a:srgbClr val="000000"/>
                   </a:solidFill>
@@ -587,7 +592,7 @@
             </a:ln>
             <a:extLst>
               <a:ext uri="{91240B29-F687-4f45-9708-019B960494DF}">
-                <a14:hiddenLine xmlns:a14="http://schemas.microsoft.com/office/drawing/2010/main" xmlns="" w="9525">
+                <a14:hiddenLine xmlns="" xmlns:a14="http://schemas.microsoft.com/office/drawing/2010/main" w="9525">
                   <a:solidFill>
                     <a:srgbClr val="000000"/>
                   </a:solidFill>
@@ -649,7 +654,7 @@
             </a:ln>
             <a:extLst>
               <a:ext uri="{91240B29-F687-4f45-9708-019B960494DF}">
-                <a14:hiddenLine xmlns:a14="http://schemas.microsoft.com/office/drawing/2010/main" xmlns="" w="9525">
+                <a14:hiddenLine xmlns="" xmlns:a14="http://schemas.microsoft.com/office/drawing/2010/main" w="9525">
                   <a:solidFill>
                     <a:srgbClr val="000000"/>
                   </a:solidFill>
@@ -739,7 +744,7 @@
             </a:ln>
             <a:extLst>
               <a:ext uri="{91240B29-F687-4f45-9708-019B960494DF}">
-                <a14:hiddenLine xmlns:a14="http://schemas.microsoft.com/office/drawing/2010/main" xmlns="" w="9525">
+                <a14:hiddenLine xmlns="" xmlns:a14="http://schemas.microsoft.com/office/drawing/2010/main" w="9525">
                   <a:solidFill>
                     <a:srgbClr val="000000"/>
                   </a:solidFill>
@@ -801,7 +806,7 @@
             </a:ln>
             <a:extLst>
               <a:ext uri="{91240B29-F687-4f45-9708-019B960494DF}">
-                <a14:hiddenLine xmlns:a14="http://schemas.microsoft.com/office/drawing/2010/main" xmlns="" w="9525">
+                <a14:hiddenLine xmlns="" xmlns:a14="http://schemas.microsoft.com/office/drawing/2010/main" w="9525">
                   <a:solidFill>
                     <a:srgbClr val="000000"/>
                   </a:solidFill>
@@ -863,7 +868,7 @@
             </a:ln>
             <a:extLst>
               <a:ext uri="{91240B29-F687-4f45-9708-019B960494DF}">
-                <a14:hiddenLine xmlns:a14="http://schemas.microsoft.com/office/drawing/2010/main" xmlns="" w="9525">
+                <a14:hiddenLine xmlns="" xmlns:a14="http://schemas.microsoft.com/office/drawing/2010/main" w="9525">
                   <a:solidFill>
                     <a:srgbClr val="000000"/>
                   </a:solidFill>
@@ -953,7 +958,7 @@
             </a:ln>
             <a:extLst>
               <a:ext uri="{91240B29-F687-4f45-9708-019B960494DF}">
-                <a14:hiddenLine xmlns:a14="http://schemas.microsoft.com/office/drawing/2010/main" xmlns="" w="9525">
+                <a14:hiddenLine xmlns="" xmlns:a14="http://schemas.microsoft.com/office/drawing/2010/main" w="9525">
                   <a:solidFill>
                     <a:srgbClr val="000000"/>
                   </a:solidFill>
@@ -1043,7 +1048,7 @@
             </a:ln>
             <a:extLst>
               <a:ext uri="{91240B29-F687-4f45-9708-019B960494DF}">
-                <a14:hiddenLine xmlns:a14="http://schemas.microsoft.com/office/drawing/2010/main" xmlns="" w="9525">
+                <a14:hiddenLine xmlns="" xmlns:a14="http://schemas.microsoft.com/office/drawing/2010/main" w="9525">
                   <a:solidFill>
                     <a:srgbClr val="000000"/>
                   </a:solidFill>
@@ -1105,7 +1110,7 @@
             </a:ln>
             <a:extLst>
               <a:ext uri="{91240B29-F687-4f45-9708-019B960494DF}">
-                <a14:hiddenLine xmlns:a14="http://schemas.microsoft.com/office/drawing/2010/main" xmlns="" w="9525">
+                <a14:hiddenLine xmlns="" xmlns:a14="http://schemas.microsoft.com/office/drawing/2010/main" w="9525">
                   <a:solidFill>
                     <a:srgbClr val="000000"/>
                   </a:solidFill>
@@ -1215,7 +1220,7 @@
             </a:ln>
             <a:extLst>
               <a:ext uri="{91240B29-F687-4f45-9708-019B960494DF}">
-                <a14:hiddenLine xmlns:a14="http://schemas.microsoft.com/office/drawing/2010/main" xmlns="" w="9525">
+                <a14:hiddenLine xmlns="" xmlns:a14="http://schemas.microsoft.com/office/drawing/2010/main" w="9525">
                   <a:solidFill>
                     <a:srgbClr val="000000"/>
                   </a:solidFill>
@@ -1277,7 +1282,7 @@
             </a:ln>
             <a:extLst>
               <a:ext uri="{91240B29-F687-4f45-9708-019B960494DF}">
-                <a14:hiddenLine xmlns:a14="http://schemas.microsoft.com/office/drawing/2010/main" xmlns="" w="9525">
+                <a14:hiddenLine xmlns="" xmlns:a14="http://schemas.microsoft.com/office/drawing/2010/main" w="9525">
                   <a:solidFill>
                     <a:srgbClr val="000000"/>
                   </a:solidFill>
@@ -1367,7 +1372,7 @@
             </a:ln>
             <a:extLst>
               <a:ext uri="{91240B29-F687-4f45-9708-019B960494DF}">
-                <a14:hiddenLine xmlns:a14="http://schemas.microsoft.com/office/drawing/2010/main" xmlns="" w="9525">
+                <a14:hiddenLine xmlns="" xmlns:a14="http://schemas.microsoft.com/office/drawing/2010/main" w="9525">
                   <a:solidFill>
                     <a:srgbClr val="000000"/>
                   </a:solidFill>
@@ -1457,7 +1462,7 @@
             </a:ln>
             <a:extLst>
               <a:ext uri="{91240B29-F687-4f45-9708-019B960494DF}">
-                <a14:hiddenLine xmlns:a14="http://schemas.microsoft.com/office/drawing/2010/main" xmlns="" w="9525">
+                <a14:hiddenLine xmlns="" xmlns:a14="http://schemas.microsoft.com/office/drawing/2010/main" w="9525">
                   <a:solidFill>
                     <a:srgbClr val="000000"/>
                   </a:solidFill>
@@ -1519,7 +1524,7 @@
             </a:ln>
             <a:extLst>
               <a:ext uri="{91240B29-F687-4f45-9708-019B960494DF}">
-                <a14:hiddenLine xmlns:a14="http://schemas.microsoft.com/office/drawing/2010/main" xmlns="" w="9525">
+                <a14:hiddenLine xmlns="" xmlns:a14="http://schemas.microsoft.com/office/drawing/2010/main" w="9525">
                   <a:solidFill>
                     <a:srgbClr val="000000"/>
                   </a:solidFill>
@@ -1609,7 +1614,7 @@
             </a:ln>
             <a:extLst>
               <a:ext uri="{91240B29-F687-4f45-9708-019B960494DF}">
-                <a14:hiddenLine xmlns:a14="http://schemas.microsoft.com/office/drawing/2010/main" xmlns="" w="9525">
+                <a14:hiddenLine xmlns="" xmlns:a14="http://schemas.microsoft.com/office/drawing/2010/main" w="9525">
                   <a:solidFill>
                     <a:srgbClr val="000000"/>
                   </a:solidFill>
@@ -1699,7 +1704,7 @@
             </a:ln>
             <a:extLst>
               <a:ext uri="{91240B29-F687-4f45-9708-019B960494DF}">
-                <a14:hiddenLine xmlns:a14="http://schemas.microsoft.com/office/drawing/2010/main" xmlns="" w="9525">
+                <a14:hiddenLine xmlns="" xmlns:a14="http://schemas.microsoft.com/office/drawing/2010/main" w="9525">
                   <a:solidFill>
                     <a:srgbClr val="000000"/>
                   </a:solidFill>
@@ -1755,7 +1760,7 @@
             </a:ln>
             <a:extLst>
               <a:ext uri="{91240B29-F687-4f45-9708-019B960494DF}">
-                <a14:hiddenLine xmlns:a14="http://schemas.microsoft.com/office/drawing/2010/main" xmlns="" w="9525">
+                <a14:hiddenLine xmlns="" xmlns:a14="http://schemas.microsoft.com/office/drawing/2010/main" w="9525">
                   <a:solidFill>
                     <a:srgbClr val="000000"/>
                   </a:solidFill>
@@ -1845,7 +1850,7 @@
             </a:ln>
             <a:extLst>
               <a:ext uri="{91240B29-F687-4f45-9708-019B960494DF}">
-                <a14:hiddenLine xmlns:a14="http://schemas.microsoft.com/office/drawing/2010/main" xmlns="" w="9525">
+                <a14:hiddenLine xmlns="" xmlns:a14="http://schemas.microsoft.com/office/drawing/2010/main" w="9525">
                   <a:solidFill>
                     <a:srgbClr val="000000"/>
                   </a:solidFill>
@@ -1901,7 +1906,7 @@
             </a:ln>
             <a:extLst>
               <a:ext uri="{91240B29-F687-4f45-9708-019B960494DF}">
-                <a14:hiddenLine xmlns:a14="http://schemas.microsoft.com/office/drawing/2010/main" xmlns="" w="9525">
+                <a14:hiddenLine xmlns="" xmlns:a14="http://schemas.microsoft.com/office/drawing/2010/main" w="9525">
                   <a:solidFill>
                     <a:srgbClr val="000000"/>
                   </a:solidFill>
@@ -1991,7 +1996,7 @@
             </a:ln>
             <a:extLst>
               <a:ext uri="{91240B29-F687-4f45-9708-019B960494DF}">
-                <a14:hiddenLine xmlns:a14="http://schemas.microsoft.com/office/drawing/2010/main" xmlns="" w="9525">
+                <a14:hiddenLine xmlns="" xmlns:a14="http://schemas.microsoft.com/office/drawing/2010/main" w="9525">
                   <a:solidFill>
                     <a:srgbClr val="000000"/>
                   </a:solidFill>
@@ -2059,7 +2064,7 @@
             </a:ln>
             <a:extLst>
               <a:ext uri="{91240B29-F687-4f45-9708-019B960494DF}">
-                <a14:hiddenLine xmlns:a14="http://schemas.microsoft.com/office/drawing/2010/main" xmlns="" w="9525">
+                <a14:hiddenLine xmlns="" xmlns:a14="http://schemas.microsoft.com/office/drawing/2010/main" w="9525">
                   <a:solidFill>
                     <a:srgbClr val="000000"/>
                   </a:solidFill>
@@ -2149,7 +2154,7 @@
             </a:ln>
             <a:extLst>
               <a:ext uri="{91240B29-F687-4f45-9708-019B960494DF}">
-                <a14:hiddenLine xmlns:a14="http://schemas.microsoft.com/office/drawing/2010/main" xmlns="" w="9525">
+                <a14:hiddenLine xmlns="" xmlns:a14="http://schemas.microsoft.com/office/drawing/2010/main" w="9525">
                   <a:solidFill>
                     <a:srgbClr val="000000"/>
                   </a:solidFill>
@@ -2217,7 +2222,7 @@
             </a:ln>
             <a:extLst>
               <a:ext uri="{91240B29-F687-4f45-9708-019B960494DF}">
-                <a14:hiddenLine xmlns:a14="http://schemas.microsoft.com/office/drawing/2010/main" xmlns="" w="9525">
+                <a14:hiddenLine xmlns="" xmlns:a14="http://schemas.microsoft.com/office/drawing/2010/main" w="9525">
                   <a:solidFill>
                     <a:srgbClr val="000000"/>
                   </a:solidFill>
@@ -2307,7 +2312,7 @@
             </a:ln>
             <a:extLst>
               <a:ext uri="{91240B29-F687-4f45-9708-019B960494DF}">
-                <a14:hiddenLine xmlns:a14="http://schemas.microsoft.com/office/drawing/2010/main" xmlns="" w="9525">
+                <a14:hiddenLine xmlns="" xmlns:a14="http://schemas.microsoft.com/office/drawing/2010/main" w="9525">
                   <a:solidFill>
                     <a:srgbClr val="000000"/>
                   </a:solidFill>
@@ -2341,7 +2346,7 @@
             </a:ln>
             <a:extLst>
               <a:ext uri="{91240B29-F687-4f45-9708-019B960494DF}">
-                <a14:hiddenLine xmlns:a14="http://schemas.microsoft.com/office/drawing/2010/main" xmlns="" w="9525">
+                <a14:hiddenLine xmlns="" xmlns:a14="http://schemas.microsoft.com/office/drawing/2010/main" w="9525">
                   <a:solidFill>
                     <a:srgbClr val="000000"/>
                   </a:solidFill>
@@ -2431,7 +2436,7 @@
             </a:ln>
             <a:extLst>
               <a:ext uri="{91240B29-F687-4f45-9708-019B960494DF}">
-                <a14:hiddenLine xmlns:a14="http://schemas.microsoft.com/office/drawing/2010/main" xmlns="" w="9525">
+                <a14:hiddenLine xmlns="" xmlns:a14="http://schemas.microsoft.com/office/drawing/2010/main" w="9525">
                   <a:solidFill>
                     <a:srgbClr val="000000"/>
                   </a:solidFill>
@@ -2493,7 +2498,7 @@
             </a:ln>
             <a:extLst>
               <a:ext uri="{91240B29-F687-4f45-9708-019B960494DF}">
-                <a14:hiddenLine xmlns:a14="http://schemas.microsoft.com/office/drawing/2010/main" xmlns="" w="9525">
+                <a14:hiddenLine xmlns="" xmlns:a14="http://schemas.microsoft.com/office/drawing/2010/main" w="9525">
                   <a:solidFill>
                     <a:srgbClr val="000000"/>
                   </a:solidFill>
@@ -2555,7 +2560,7 @@
             </a:ln>
             <a:extLst>
               <a:ext uri="{91240B29-F687-4f45-9708-019B960494DF}">
-                <a14:hiddenLine xmlns:a14="http://schemas.microsoft.com/office/drawing/2010/main" xmlns="" w="9525">
+                <a14:hiddenLine xmlns="" xmlns:a14="http://schemas.microsoft.com/office/drawing/2010/main" w="9525">
                   <a:solidFill>
                     <a:srgbClr val="000000"/>
                   </a:solidFill>
@@ -2645,7 +2650,7 @@
             </a:ln>
             <a:extLst>
               <a:ext uri="{91240B29-F687-4f45-9708-019B960494DF}">
-                <a14:hiddenLine xmlns:a14="http://schemas.microsoft.com/office/drawing/2010/main" xmlns="" w="9525">
+                <a14:hiddenLine xmlns="" xmlns:a14="http://schemas.microsoft.com/office/drawing/2010/main" w="9525">
                   <a:solidFill>
                     <a:srgbClr val="000000"/>
                   </a:solidFill>
@@ -2713,7 +2718,7 @@
             </a:ln>
             <a:extLst>
               <a:ext uri="{91240B29-F687-4f45-9708-019B960494DF}">
-                <a14:hiddenLine xmlns:a14="http://schemas.microsoft.com/office/drawing/2010/main" xmlns="" w="9525">
+                <a14:hiddenLine xmlns="" xmlns:a14="http://schemas.microsoft.com/office/drawing/2010/main" w="9525">
                   <a:solidFill>
                     <a:srgbClr val="000000"/>
                   </a:solidFill>
@@ -2775,7 +2780,7 @@
             </a:ln>
             <a:extLst>
               <a:ext uri="{91240B29-F687-4f45-9708-019B960494DF}">
-                <a14:hiddenLine xmlns:a14="http://schemas.microsoft.com/office/drawing/2010/main" xmlns="" w="9525">
+                <a14:hiddenLine xmlns="" xmlns:a14="http://schemas.microsoft.com/office/drawing/2010/main" w="9525">
                   <a:solidFill>
                     <a:srgbClr val="000000"/>
                   </a:solidFill>
@@ -2865,7 +2870,7 @@
             </a:ln>
             <a:extLst>
               <a:ext uri="{91240B29-F687-4f45-9708-019B960494DF}">
-                <a14:hiddenLine xmlns:a14="http://schemas.microsoft.com/office/drawing/2010/main" xmlns="" w="9525">
+                <a14:hiddenLine xmlns="" xmlns:a14="http://schemas.microsoft.com/office/drawing/2010/main" w="9525">
                   <a:solidFill>
                     <a:srgbClr val="000000"/>
                   </a:solidFill>
@@ -2927,7 +2932,7 @@
             </a:ln>
             <a:extLst>
               <a:ext uri="{91240B29-F687-4f45-9708-019B960494DF}">
-                <a14:hiddenLine xmlns:a14="http://schemas.microsoft.com/office/drawing/2010/main" xmlns="" w="9525">
+                <a14:hiddenLine xmlns="" xmlns:a14="http://schemas.microsoft.com/office/drawing/2010/main" w="9525">
                   <a:solidFill>
                     <a:srgbClr val="000000"/>
                   </a:solidFill>
@@ -3017,7 +3022,7 @@
             </a:ln>
             <a:extLst>
               <a:ext uri="{91240B29-F687-4f45-9708-019B960494DF}">
-                <a14:hiddenLine xmlns:a14="http://schemas.microsoft.com/office/drawing/2010/main" xmlns="" w="9525">
+                <a14:hiddenLine xmlns="" xmlns:a14="http://schemas.microsoft.com/office/drawing/2010/main" w="9525">
                   <a:solidFill>
                     <a:srgbClr val="000000"/>
                   </a:solidFill>
@@ -3079,7 +3084,7 @@
             </a:ln>
             <a:extLst>
               <a:ext uri="{91240B29-F687-4f45-9708-019B960494DF}">
-                <a14:hiddenLine xmlns:a14="http://schemas.microsoft.com/office/drawing/2010/main" xmlns="" w="9525">
+                <a14:hiddenLine xmlns="" xmlns:a14="http://schemas.microsoft.com/office/drawing/2010/main" w="9525">
                   <a:solidFill>
                     <a:srgbClr val="000000"/>
                   </a:solidFill>
@@ -3169,7 +3174,7 @@
             </a:ln>
             <a:extLst>
               <a:ext uri="{91240B29-F687-4f45-9708-019B960494DF}">
-                <a14:hiddenLine xmlns:a14="http://schemas.microsoft.com/office/drawing/2010/main" xmlns="" w="9525">
+                <a14:hiddenLine xmlns="" xmlns:a14="http://schemas.microsoft.com/office/drawing/2010/main" w="9525">
                   <a:solidFill>
                     <a:srgbClr val="000000"/>
                   </a:solidFill>
@@ -3203,7 +3208,7 @@
             </a:ln>
             <a:extLst>
               <a:ext uri="{91240B29-F687-4f45-9708-019B960494DF}">
-                <a14:hiddenLine xmlns:a14="http://schemas.microsoft.com/office/drawing/2010/main" xmlns="" w="9525">
+                <a14:hiddenLine xmlns="" xmlns:a14="http://schemas.microsoft.com/office/drawing/2010/main" w="9525">
                   <a:solidFill>
                     <a:srgbClr val="000000"/>
                   </a:solidFill>
@@ -3268,7 +3273,7 @@
             </a:ln>
             <a:extLst>
               <a:ext uri="{91240B29-F687-4f45-9708-019B960494DF}">
-                <a14:hiddenLine xmlns:a14="http://schemas.microsoft.com/office/drawing/2010/main" xmlns="" w="9525">
+                <a14:hiddenLine xmlns="" xmlns:a14="http://schemas.microsoft.com/office/drawing/2010/main" w="9525">
                   <a:solidFill>
                     <a:srgbClr val="000000"/>
                   </a:solidFill>
@@ -3358,7 +3363,7 @@
             </a:ln>
             <a:extLst>
               <a:ext uri="{91240B29-F687-4f45-9708-019B960494DF}">
-                <a14:hiddenLine xmlns:a14="http://schemas.microsoft.com/office/drawing/2010/main" xmlns="" w="9525">
+                <a14:hiddenLine xmlns="" xmlns:a14="http://schemas.microsoft.com/office/drawing/2010/main" w="9525">
                   <a:solidFill>
                     <a:srgbClr val="000000"/>
                   </a:solidFill>
@@ -3420,7 +3425,7 @@
             </a:ln>
             <a:extLst>
               <a:ext uri="{91240B29-F687-4f45-9708-019B960494DF}">
-                <a14:hiddenLine xmlns:a14="http://schemas.microsoft.com/office/drawing/2010/main" xmlns="" w="9525">
+                <a14:hiddenLine xmlns="" xmlns:a14="http://schemas.microsoft.com/office/drawing/2010/main" w="9525">
                   <a:solidFill>
                     <a:srgbClr val="000000"/>
                   </a:solidFill>
@@ -3510,7 +3515,7 @@
             </a:ln>
             <a:extLst>
               <a:ext uri="{91240B29-F687-4f45-9708-019B960494DF}">
-                <a14:hiddenLine xmlns:a14="http://schemas.microsoft.com/office/drawing/2010/main" xmlns="" w="9525">
+                <a14:hiddenLine xmlns="" xmlns:a14="http://schemas.microsoft.com/office/drawing/2010/main" w="9525">
                   <a:solidFill>
                     <a:srgbClr val="000000"/>
                   </a:solidFill>
@@ -3600,7 +3605,7 @@
             </a:ln>
             <a:extLst>
               <a:ext uri="{91240B29-F687-4f45-9708-019B960494DF}">
-                <a14:hiddenLine xmlns:a14="http://schemas.microsoft.com/office/drawing/2010/main" xmlns="" w="9525">
+                <a14:hiddenLine xmlns="" xmlns:a14="http://schemas.microsoft.com/office/drawing/2010/main" w="9525">
                   <a:solidFill>
                     <a:srgbClr val="000000"/>
                   </a:solidFill>
@@ -3665,7 +3670,7 @@
             </a:ln>
             <a:extLst>
               <a:ext uri="{91240B29-F687-4f45-9708-019B960494DF}">
-                <a14:hiddenLine xmlns:a14="http://schemas.microsoft.com/office/drawing/2010/main" xmlns="" w="9525">
+                <a14:hiddenLine xmlns="" xmlns:a14="http://schemas.microsoft.com/office/drawing/2010/main" w="9525">
                   <a:solidFill>
                     <a:srgbClr val="000000"/>
                   </a:solidFill>
@@ -3727,7 +3732,7 @@
             </a:ln>
             <a:extLst>
               <a:ext uri="{91240B29-F687-4f45-9708-019B960494DF}">
-                <a14:hiddenLine xmlns:a14="http://schemas.microsoft.com/office/drawing/2010/main" xmlns="" w="9525">
+                <a14:hiddenLine xmlns="" xmlns:a14="http://schemas.microsoft.com/office/drawing/2010/main" w="9525">
                   <a:solidFill>
                     <a:srgbClr val="000000"/>
                   </a:solidFill>
@@ -3817,7 +3822,7 @@
             </a:ln>
             <a:extLst>
               <a:ext uri="{91240B29-F687-4f45-9708-019B960494DF}">
-                <a14:hiddenLine xmlns:a14="http://schemas.microsoft.com/office/drawing/2010/main" xmlns="" w="9525">
+                <a14:hiddenLine xmlns="" xmlns:a14="http://schemas.microsoft.com/office/drawing/2010/main" w="9525">
                   <a:solidFill>
                     <a:srgbClr val="000000"/>
                   </a:solidFill>
@@ -3907,7 +3912,7 @@
             </a:ln>
             <a:extLst>
               <a:ext uri="{91240B29-F687-4f45-9708-019B960494DF}">
-                <a14:hiddenLine xmlns:a14="http://schemas.microsoft.com/office/drawing/2010/main" xmlns="" w="9525">
+                <a14:hiddenLine xmlns="" xmlns:a14="http://schemas.microsoft.com/office/drawing/2010/main" w="9525">
                   <a:solidFill>
                     <a:srgbClr val="000000"/>
                   </a:solidFill>
@@ -3969,7 +3974,7 @@
             </a:ln>
             <a:extLst>
               <a:ext uri="{91240B29-F687-4f45-9708-019B960494DF}">
-                <a14:hiddenLine xmlns:a14="http://schemas.microsoft.com/office/drawing/2010/main" xmlns="" w="9525">
+                <a14:hiddenLine xmlns="" xmlns:a14="http://schemas.microsoft.com/office/drawing/2010/main" w="9525">
                   <a:solidFill>
                     <a:srgbClr val="000000"/>
                   </a:solidFill>
@@ -4089,7 +4094,7 @@
             </a:ln>
             <a:extLst>
               <a:ext uri="{91240B29-F687-4f45-9708-019B960494DF}">
-                <a14:hiddenLine xmlns:a14="http://schemas.microsoft.com/office/drawing/2010/main" xmlns="" w="9525">
+                <a14:hiddenLine xmlns="" xmlns:a14="http://schemas.microsoft.com/office/drawing/2010/main" w="9525">
                   <a:solidFill>
                     <a:srgbClr val="000000"/>
                   </a:solidFill>
@@ -4157,7 +4162,7 @@
             </a:ln>
             <a:extLst>
               <a:ext uri="{91240B29-F687-4f45-9708-019B960494DF}">
-                <a14:hiddenLine xmlns:a14="http://schemas.microsoft.com/office/drawing/2010/main" xmlns="" w="9525">
+                <a14:hiddenLine xmlns="" xmlns:a14="http://schemas.microsoft.com/office/drawing/2010/main" w="9525">
                   <a:solidFill>
                     <a:srgbClr val="000000"/>
                   </a:solidFill>
@@ -4247,7 +4252,7 @@
             </a:ln>
             <a:extLst>
               <a:ext uri="{91240B29-F687-4f45-9708-019B960494DF}">
-                <a14:hiddenLine xmlns:a14="http://schemas.microsoft.com/office/drawing/2010/main" xmlns="" w="9525">
+                <a14:hiddenLine xmlns="" xmlns:a14="http://schemas.microsoft.com/office/drawing/2010/main" w="9525">
                   <a:solidFill>
                     <a:srgbClr val="000000"/>
                   </a:solidFill>
@@ -4387,7 +4392,7 @@
           <a:p>
             <a:fld id="{48A87A34-81AB-432B-8DAE-1953F412C126}" type="datetimeFigureOut">
               <a:rPr lang="en-US" dirty="0"/>
-              <a:t>5/15/2025</a:t>
+              <a:t>6/10/2025</a:t>
             </a:fld>
             <a:endParaRPr lang="en-US" dirty="0"/>
           </a:p>
@@ -4649,7 +4654,7 @@
           <a:p>
             <a:fld id="{48A87A34-81AB-432B-8DAE-1953F412C126}" type="datetimeFigureOut">
               <a:rPr lang="en-US" dirty="0"/>
-              <a:t>5/15/2025</a:t>
+              <a:t>6/10/2025</a:t>
             </a:fld>
             <a:endParaRPr lang="en-US" dirty="0"/>
           </a:p>
@@ -4840,7 +4845,7 @@
           <a:p>
             <a:fld id="{48A87A34-81AB-432B-8DAE-1953F412C126}" type="datetimeFigureOut">
               <a:rPr lang="en-US" dirty="0"/>
-              <a:t>5/15/2025</a:t>
+              <a:t>6/10/2025</a:t>
             </a:fld>
             <a:endParaRPr lang="en-US" dirty="0"/>
           </a:p>
@@ -5098,7 +5103,7 @@
           <a:p>
             <a:fld id="{48A87A34-81AB-432B-8DAE-1953F412C126}" type="datetimeFigureOut">
               <a:rPr lang="en-US" dirty="0"/>
-              <a:t>5/15/2025</a:t>
+              <a:t>6/10/2025</a:t>
             </a:fld>
             <a:endParaRPr lang="en-US" dirty="0"/>
           </a:p>
@@ -5527,7 +5532,7 @@
           <a:p>
             <a:fld id="{48A87A34-81AB-432B-8DAE-1953F412C126}" type="datetimeFigureOut">
               <a:rPr lang="en-US" dirty="0"/>
-              <a:t>5/15/2025</a:t>
+              <a:t>6/10/2025</a:t>
             </a:fld>
             <a:endParaRPr lang="en-US" dirty="0"/>
           </a:p>
@@ -6068,7 +6073,7 @@
           <a:p>
             <a:fld id="{48A87A34-81AB-432B-8DAE-1953F412C126}" type="datetimeFigureOut">
               <a:rPr lang="en-US" dirty="0"/>
-              <a:t>5/15/2025</a:t>
+              <a:t>6/10/2025</a:t>
             </a:fld>
             <a:endParaRPr lang="en-US" dirty="0"/>
           </a:p>
@@ -6783,7 +6788,7 @@
           <a:p>
             <a:fld id="{48A87A34-81AB-432B-8DAE-1953F412C126}" type="datetimeFigureOut">
               <a:rPr lang="en-US" dirty="0"/>
-              <a:t>5/15/2025</a:t>
+              <a:t>6/10/2025</a:t>
             </a:fld>
             <a:endParaRPr lang="en-US" dirty="0"/>
           </a:p>
@@ -6948,7 +6953,7 @@
           <a:p>
             <a:fld id="{48A87A34-81AB-432B-8DAE-1953F412C126}" type="datetimeFigureOut">
               <a:rPr lang="en-US" dirty="0"/>
-              <a:t>5/15/2025</a:t>
+              <a:t>6/10/2025</a:t>
             </a:fld>
             <a:endParaRPr lang="en-US" dirty="0"/>
           </a:p>
@@ -7123,7 +7128,7 @@
           <a:p>
             <a:fld id="{48A87A34-81AB-432B-8DAE-1953F412C126}" type="datetimeFigureOut">
               <a:rPr lang="en-US" dirty="0"/>
-              <a:t>5/15/2025</a:t>
+              <a:t>6/10/2025</a:t>
             </a:fld>
             <a:endParaRPr lang="en-US" dirty="0"/>
           </a:p>
@@ -7288,7 +7293,7 @@
           <a:p>
             <a:fld id="{48A87A34-81AB-432B-8DAE-1953F412C126}" type="datetimeFigureOut">
               <a:rPr lang="en-US" dirty="0"/>
-              <a:t>5/15/2025</a:t>
+              <a:t>6/10/2025</a:t>
             </a:fld>
             <a:endParaRPr lang="en-US" dirty="0"/>
           </a:p>
@@ -7533,7 +7538,7 @@
           <a:p>
             <a:fld id="{48A87A34-81AB-432B-8DAE-1953F412C126}" type="datetimeFigureOut">
               <a:rPr lang="en-US" dirty="0"/>
-              <a:t>5/15/2025</a:t>
+              <a:t>6/10/2025</a:t>
             </a:fld>
             <a:endParaRPr lang="en-US" dirty="0"/>
           </a:p>
@@ -7760,7 +7765,7 @@
           <a:p>
             <a:fld id="{48A87A34-81AB-432B-8DAE-1953F412C126}" type="datetimeFigureOut">
               <a:rPr lang="en-US" dirty="0"/>
-              <a:t>5/15/2025</a:t>
+              <a:t>6/10/2025</a:t>
             </a:fld>
             <a:endParaRPr lang="en-US" dirty="0"/>
           </a:p>
@@ -8136,7 +8141,7 @@
           <a:p>
             <a:fld id="{48A87A34-81AB-432B-8DAE-1953F412C126}" type="datetimeFigureOut">
               <a:rPr lang="en-US" dirty="0"/>
-              <a:t>5/15/2025</a:t>
+              <a:t>6/10/2025</a:t>
             </a:fld>
             <a:endParaRPr lang="en-US" dirty="0"/>
           </a:p>
@@ -8249,7 +8254,7 @@
           <a:p>
             <a:fld id="{48A87A34-81AB-432B-8DAE-1953F412C126}" type="datetimeFigureOut">
               <a:rPr lang="en-US" dirty="0"/>
-              <a:t>5/15/2025</a:t>
+              <a:t>6/10/2025</a:t>
             </a:fld>
             <a:endParaRPr lang="en-US" dirty="0"/>
           </a:p>
@@ -8339,7 +8344,7 @@
           <a:p>
             <a:fld id="{48A87A34-81AB-432B-8DAE-1953F412C126}" type="datetimeFigureOut">
               <a:rPr lang="en-US" dirty="0"/>
-              <a:t>5/15/2025</a:t>
+              <a:t>6/10/2025</a:t>
             </a:fld>
             <a:endParaRPr lang="en-US" dirty="0"/>
           </a:p>
@@ -8583,7 +8588,7 @@
           <a:p>
             <a:fld id="{48A87A34-81AB-432B-8DAE-1953F412C126}" type="datetimeFigureOut">
               <a:rPr lang="en-US" dirty="0"/>
-              <a:t>5/15/2025</a:t>
+              <a:t>6/10/2025</a:t>
             </a:fld>
             <a:endParaRPr lang="en-US" dirty="0"/>
           </a:p>
@@ -8858,7 +8863,7 @@
           <a:p>
             <a:fld id="{48A87A34-81AB-432B-8DAE-1953F412C126}" type="datetimeFigureOut">
               <a:rPr lang="en-US" dirty="0"/>
-              <a:t>5/15/2025</a:t>
+              <a:t>6/10/2025</a:t>
             </a:fld>
             <a:endParaRPr lang="en-US" dirty="0"/>
           </a:p>
@@ -8969,7 +8974,7 @@
           <a:noFill/>
           <a:extLst>
             <a:ext uri="{909E8E84-426E-40dd-AFC4-6F175D3DCCD1}">
-              <a14:hiddenFill xmlns:a14="http://schemas.microsoft.com/office/drawing/2010/main" xmlns="">
+              <a14:hiddenFill xmlns="" xmlns:a14="http://schemas.microsoft.com/office/drawing/2010/main">
                 <a:solidFill>
                   <a:srgbClr val="FFFFFF"/>
                 </a:solidFill>
@@ -9043,7 +9048,7 @@
               </a:ln>
               <a:extLst>
                 <a:ext uri="{91240B29-F687-4f45-9708-019B960494DF}">
-                  <a14:hiddenLine xmlns:a14="http://schemas.microsoft.com/office/drawing/2010/main" xmlns="" w="9525">
+                  <a14:hiddenLine xmlns="" xmlns:a14="http://schemas.microsoft.com/office/drawing/2010/main" w="9525">
                     <a:solidFill>
                       <a:srgbClr val="000000"/>
                     </a:solidFill>
@@ -9133,7 +9138,7 @@
               </a:ln>
               <a:extLst>
                 <a:ext uri="{91240B29-F687-4f45-9708-019B960494DF}">
-                  <a14:hiddenLine xmlns:a14="http://schemas.microsoft.com/office/drawing/2010/main" xmlns="" w="9525">
+                  <a14:hiddenLine xmlns="" xmlns:a14="http://schemas.microsoft.com/office/drawing/2010/main" w="9525">
                     <a:solidFill>
                       <a:srgbClr val="000000"/>
                     </a:solidFill>
@@ -9223,7 +9228,7 @@
               </a:ln>
               <a:extLst>
                 <a:ext uri="{91240B29-F687-4f45-9708-019B960494DF}">
-                  <a14:hiddenLine xmlns:a14="http://schemas.microsoft.com/office/drawing/2010/main" xmlns="" w="9525">
+                  <a14:hiddenLine xmlns="" xmlns:a14="http://schemas.microsoft.com/office/drawing/2010/main" w="9525">
                     <a:solidFill>
                       <a:srgbClr val="000000"/>
                     </a:solidFill>
@@ -9285,7 +9290,7 @@
               </a:ln>
               <a:extLst>
                 <a:ext uri="{91240B29-F687-4f45-9708-019B960494DF}">
-                  <a14:hiddenLine xmlns:a14="http://schemas.microsoft.com/office/drawing/2010/main" xmlns="" w="9525">
+                  <a14:hiddenLine xmlns="" xmlns:a14="http://schemas.microsoft.com/office/drawing/2010/main" w="9525">
                     <a:solidFill>
                       <a:srgbClr val="000000"/>
                     </a:solidFill>
@@ -9375,7 +9380,7 @@
               </a:ln>
               <a:extLst>
                 <a:ext uri="{91240B29-F687-4f45-9708-019B960494DF}">
-                  <a14:hiddenLine xmlns:a14="http://schemas.microsoft.com/office/drawing/2010/main" xmlns="" w="9525">
+                  <a14:hiddenLine xmlns="" xmlns:a14="http://schemas.microsoft.com/office/drawing/2010/main" w="9525">
                     <a:solidFill>
                       <a:srgbClr val="000000"/>
                     </a:solidFill>
@@ -9437,7 +9442,7 @@
               </a:ln>
               <a:extLst>
                 <a:ext uri="{91240B29-F687-4f45-9708-019B960494DF}">
-                  <a14:hiddenLine xmlns:a14="http://schemas.microsoft.com/office/drawing/2010/main" xmlns="" w="9525">
+                  <a14:hiddenLine xmlns="" xmlns:a14="http://schemas.microsoft.com/office/drawing/2010/main" w="9525">
                     <a:solidFill>
                       <a:srgbClr val="000000"/>
                     </a:solidFill>
@@ -9499,7 +9504,7 @@
               </a:ln>
               <a:extLst>
                 <a:ext uri="{91240B29-F687-4f45-9708-019B960494DF}">
-                  <a14:hiddenLine xmlns:a14="http://schemas.microsoft.com/office/drawing/2010/main" xmlns="" w="9525">
+                  <a14:hiddenLine xmlns="" xmlns:a14="http://schemas.microsoft.com/office/drawing/2010/main" w="9525">
                     <a:solidFill>
                       <a:srgbClr val="000000"/>
                     </a:solidFill>
@@ -9589,7 +9594,7 @@
               </a:ln>
               <a:extLst>
                 <a:ext uri="{91240B29-F687-4f45-9708-019B960494DF}">
-                  <a14:hiddenLine xmlns:a14="http://schemas.microsoft.com/office/drawing/2010/main" xmlns="" w="9525">
+                  <a14:hiddenLine xmlns="" xmlns:a14="http://schemas.microsoft.com/office/drawing/2010/main" w="9525">
                     <a:solidFill>
                       <a:srgbClr val="000000"/>
                     </a:solidFill>
@@ -9679,7 +9684,7 @@
               </a:ln>
               <a:extLst>
                 <a:ext uri="{91240B29-F687-4f45-9708-019B960494DF}">
-                  <a14:hiddenLine xmlns:a14="http://schemas.microsoft.com/office/drawing/2010/main" xmlns="" w="9525">
+                  <a14:hiddenLine xmlns="" xmlns:a14="http://schemas.microsoft.com/office/drawing/2010/main" w="9525">
                     <a:solidFill>
                       <a:srgbClr val="000000"/>
                     </a:solidFill>
@@ -9741,7 +9746,7 @@
               </a:ln>
               <a:extLst>
                 <a:ext uri="{91240B29-F687-4f45-9708-019B960494DF}">
-                  <a14:hiddenLine xmlns:a14="http://schemas.microsoft.com/office/drawing/2010/main" xmlns="" w="9525">
+                  <a14:hiddenLine xmlns="" xmlns:a14="http://schemas.microsoft.com/office/drawing/2010/main" w="9525">
                     <a:solidFill>
                       <a:srgbClr val="000000"/>
                     </a:solidFill>
@@ -9851,7 +9856,7 @@
               </a:ln>
               <a:extLst>
                 <a:ext uri="{91240B29-F687-4f45-9708-019B960494DF}">
-                  <a14:hiddenLine xmlns:a14="http://schemas.microsoft.com/office/drawing/2010/main" xmlns="" w="9525">
+                  <a14:hiddenLine xmlns="" xmlns:a14="http://schemas.microsoft.com/office/drawing/2010/main" w="9525">
                     <a:solidFill>
                       <a:srgbClr val="000000"/>
                     </a:solidFill>
@@ -9935,7 +9940,7 @@
               </a:ln>
               <a:extLst>
                 <a:ext uri="{91240B29-F687-4f45-9708-019B960494DF}">
-                  <a14:hiddenLine xmlns:a14="http://schemas.microsoft.com/office/drawing/2010/main" xmlns="" w="9525">
+                  <a14:hiddenLine xmlns="" xmlns:a14="http://schemas.microsoft.com/office/drawing/2010/main" w="9525">
                     <a:solidFill>
                       <a:srgbClr val="000000"/>
                     </a:solidFill>
@@ -9997,7 +10002,7 @@
               </a:ln>
               <a:extLst>
                 <a:ext uri="{91240B29-F687-4f45-9708-019B960494DF}">
-                  <a14:hiddenLine xmlns:a14="http://schemas.microsoft.com/office/drawing/2010/main" xmlns="" w="9525">
+                  <a14:hiddenLine xmlns="" xmlns:a14="http://schemas.microsoft.com/office/drawing/2010/main" w="9525">
                     <a:solidFill>
                       <a:srgbClr val="000000"/>
                     </a:solidFill>
@@ -10059,7 +10064,7 @@
               </a:ln>
               <a:extLst>
                 <a:ext uri="{91240B29-F687-4f45-9708-019B960494DF}">
-                  <a14:hiddenLine xmlns:a14="http://schemas.microsoft.com/office/drawing/2010/main" xmlns="" w="9525">
+                  <a14:hiddenLine xmlns="" xmlns:a14="http://schemas.microsoft.com/office/drawing/2010/main" w="9525">
                     <a:solidFill>
                       <a:srgbClr val="000000"/>
                     </a:solidFill>
@@ -10149,7 +10154,7 @@
               </a:ln>
               <a:extLst>
                 <a:ext uri="{91240B29-F687-4f45-9708-019B960494DF}">
-                  <a14:hiddenLine xmlns:a14="http://schemas.microsoft.com/office/drawing/2010/main" xmlns="" w="9525">
+                  <a14:hiddenLine xmlns="" xmlns:a14="http://schemas.microsoft.com/office/drawing/2010/main" w="9525">
                     <a:solidFill>
                       <a:srgbClr val="000000"/>
                     </a:solidFill>
@@ -10183,7 +10188,7 @@
               </a:ln>
               <a:extLst>
                 <a:ext uri="{91240B29-F687-4f45-9708-019B960494DF}">
-                  <a14:hiddenLine xmlns:a14="http://schemas.microsoft.com/office/drawing/2010/main" xmlns="" w="9525">
+                  <a14:hiddenLine xmlns="" xmlns:a14="http://schemas.microsoft.com/office/drawing/2010/main" w="9525">
                     <a:solidFill>
                       <a:srgbClr val="000000"/>
                     </a:solidFill>
@@ -10248,7 +10253,7 @@
               </a:ln>
               <a:extLst>
                 <a:ext uri="{91240B29-F687-4f45-9708-019B960494DF}">
-                  <a14:hiddenLine xmlns:a14="http://schemas.microsoft.com/office/drawing/2010/main" xmlns="" w="9525">
+                  <a14:hiddenLine xmlns="" xmlns:a14="http://schemas.microsoft.com/office/drawing/2010/main" w="9525">
                     <a:solidFill>
                       <a:srgbClr val="000000"/>
                     </a:solidFill>
@@ -10338,7 +10343,7 @@
               </a:ln>
               <a:extLst>
                 <a:ext uri="{91240B29-F687-4f45-9708-019B960494DF}">
-                  <a14:hiddenLine xmlns:a14="http://schemas.microsoft.com/office/drawing/2010/main" xmlns="" w="9525">
+                  <a14:hiddenLine xmlns="" xmlns:a14="http://schemas.microsoft.com/office/drawing/2010/main" w="9525">
                     <a:solidFill>
                       <a:srgbClr val="000000"/>
                     </a:solidFill>
@@ -10400,7 +10405,7 @@
               </a:ln>
               <a:extLst>
                 <a:ext uri="{91240B29-F687-4f45-9708-019B960494DF}">
-                  <a14:hiddenLine xmlns:a14="http://schemas.microsoft.com/office/drawing/2010/main" xmlns="" w="9525">
+                  <a14:hiddenLine xmlns="" xmlns:a14="http://schemas.microsoft.com/office/drawing/2010/main" w="9525">
                     <a:solidFill>
                       <a:srgbClr val="000000"/>
                     </a:solidFill>
@@ -10490,7 +10495,7 @@
               </a:ln>
               <a:extLst>
                 <a:ext uri="{91240B29-F687-4f45-9708-019B960494DF}">
-                  <a14:hiddenLine xmlns:a14="http://schemas.microsoft.com/office/drawing/2010/main" xmlns="" w="9525">
+                  <a14:hiddenLine xmlns="" xmlns:a14="http://schemas.microsoft.com/office/drawing/2010/main" w="9525">
                     <a:solidFill>
                       <a:srgbClr val="000000"/>
                     </a:solidFill>
@@ -10555,7 +10560,7 @@
               </a:ln>
               <a:extLst>
                 <a:ext uri="{91240B29-F687-4f45-9708-019B960494DF}">
-                  <a14:hiddenLine xmlns:a14="http://schemas.microsoft.com/office/drawing/2010/main" xmlns="" w="9525">
+                  <a14:hiddenLine xmlns="" xmlns:a14="http://schemas.microsoft.com/office/drawing/2010/main" w="9525">
                     <a:solidFill>
                       <a:srgbClr val="000000"/>
                     </a:solidFill>
@@ -10617,7 +10622,7 @@
               </a:ln>
               <a:extLst>
                 <a:ext uri="{91240B29-F687-4f45-9708-019B960494DF}">
-                  <a14:hiddenLine xmlns:a14="http://schemas.microsoft.com/office/drawing/2010/main" xmlns="" w="9525">
+                  <a14:hiddenLine xmlns="" xmlns:a14="http://schemas.microsoft.com/office/drawing/2010/main" w="9525">
                     <a:solidFill>
                       <a:srgbClr val="000000"/>
                     </a:solidFill>
@@ -10707,7 +10712,7 @@
               </a:ln>
               <a:extLst>
                 <a:ext uri="{91240B29-F687-4f45-9708-019B960494DF}">
-                  <a14:hiddenLine xmlns:a14="http://schemas.microsoft.com/office/drawing/2010/main" xmlns="" w="9525">
+                  <a14:hiddenLine xmlns="" xmlns:a14="http://schemas.microsoft.com/office/drawing/2010/main" w="9525">
                     <a:solidFill>
                       <a:srgbClr val="000000"/>
                     </a:solidFill>
@@ -10797,7 +10802,7 @@
               </a:ln>
               <a:extLst>
                 <a:ext uri="{91240B29-F687-4f45-9708-019B960494DF}">
-                  <a14:hiddenLine xmlns:a14="http://schemas.microsoft.com/office/drawing/2010/main" xmlns="" w="9525">
+                  <a14:hiddenLine xmlns="" xmlns:a14="http://schemas.microsoft.com/office/drawing/2010/main" w="9525">
                     <a:solidFill>
                       <a:srgbClr val="000000"/>
                     </a:solidFill>
@@ -10862,7 +10867,7 @@
               </a:ln>
               <a:extLst>
                 <a:ext uri="{91240B29-F687-4f45-9708-019B960494DF}">
-                  <a14:hiddenLine xmlns:a14="http://schemas.microsoft.com/office/drawing/2010/main" xmlns="" w="9525">
+                  <a14:hiddenLine xmlns="" xmlns:a14="http://schemas.microsoft.com/office/drawing/2010/main" w="9525">
                     <a:solidFill>
                       <a:srgbClr val="000000"/>
                     </a:solidFill>
@@ -10982,7 +10987,7 @@
               </a:ln>
               <a:extLst>
                 <a:ext uri="{91240B29-F687-4f45-9708-019B960494DF}">
-                  <a14:hiddenLine xmlns:a14="http://schemas.microsoft.com/office/drawing/2010/main" xmlns="" w="9525">
+                  <a14:hiddenLine xmlns="" xmlns:a14="http://schemas.microsoft.com/office/drawing/2010/main" w="9525">
                     <a:solidFill>
                       <a:srgbClr val="000000"/>
                     </a:solidFill>
@@ -11080,7 +11085,7 @@
               </a:ln>
               <a:extLst>
                 <a:ext uri="{91240B29-F687-4f45-9708-019B960494DF}">
-                  <a14:hiddenLine xmlns:a14="http://schemas.microsoft.com/office/drawing/2010/main" xmlns="" w="9525">
+                  <a14:hiddenLine xmlns="" xmlns:a14="http://schemas.microsoft.com/office/drawing/2010/main" w="9525">
                     <a:solidFill>
                       <a:srgbClr val="000000"/>
                     </a:solidFill>
@@ -11195,7 +11200,7 @@
               </a:ln>
               <a:extLst>
                 <a:ext uri="{91240B29-F687-4f45-9708-019B960494DF}">
-                  <a14:hiddenLine xmlns:a14="http://schemas.microsoft.com/office/drawing/2010/main" xmlns="" w="9525">
+                  <a14:hiddenLine xmlns="" xmlns:a14="http://schemas.microsoft.com/office/drawing/2010/main" w="9525">
                     <a:solidFill>
                       <a:srgbClr val="000000"/>
                     </a:solidFill>
@@ -11285,7 +11290,7 @@
               </a:ln>
               <a:extLst>
                 <a:ext uri="{91240B29-F687-4f45-9708-019B960494DF}">
-                  <a14:hiddenLine xmlns:a14="http://schemas.microsoft.com/office/drawing/2010/main" xmlns="" w="9525">
+                  <a14:hiddenLine xmlns="" xmlns:a14="http://schemas.microsoft.com/office/drawing/2010/main" w="9525">
                     <a:solidFill>
                       <a:srgbClr val="000000"/>
                     </a:solidFill>
@@ -11350,7 +11355,7 @@
               </a:ln>
               <a:extLst>
                 <a:ext uri="{91240B29-F687-4f45-9708-019B960494DF}">
-                  <a14:hiddenLine xmlns:a14="http://schemas.microsoft.com/office/drawing/2010/main" xmlns="" w="9525">
+                  <a14:hiddenLine xmlns="" xmlns:a14="http://schemas.microsoft.com/office/drawing/2010/main" w="9525">
                     <a:solidFill>
                       <a:srgbClr val="000000"/>
                     </a:solidFill>
@@ -11440,7 +11445,7 @@
               </a:ln>
               <a:extLst>
                 <a:ext uri="{91240B29-F687-4f45-9708-019B960494DF}">
-                  <a14:hiddenLine xmlns:a14="http://schemas.microsoft.com/office/drawing/2010/main" xmlns="" w="9525">
+                  <a14:hiddenLine xmlns="" xmlns:a14="http://schemas.microsoft.com/office/drawing/2010/main" w="9525">
                     <a:solidFill>
                       <a:srgbClr val="000000"/>
                     </a:solidFill>
@@ -11508,7 +11513,7 @@
               </a:ln>
               <a:extLst>
                 <a:ext uri="{91240B29-F687-4f45-9708-019B960494DF}">
-                  <a14:hiddenLine xmlns:a14="http://schemas.microsoft.com/office/drawing/2010/main" xmlns="" w="9525">
+                  <a14:hiddenLine xmlns="" xmlns:a14="http://schemas.microsoft.com/office/drawing/2010/main" w="9525">
                     <a:solidFill>
                       <a:srgbClr val="000000"/>
                     </a:solidFill>
@@ -11598,7 +11603,7 @@
               </a:ln>
               <a:extLst>
                 <a:ext uri="{91240B29-F687-4f45-9708-019B960494DF}">
-                  <a14:hiddenLine xmlns:a14="http://schemas.microsoft.com/office/drawing/2010/main" xmlns="" w="9525">
+                  <a14:hiddenLine xmlns="" xmlns:a14="http://schemas.microsoft.com/office/drawing/2010/main" w="9525">
                     <a:solidFill>
                       <a:srgbClr val="000000"/>
                     </a:solidFill>
@@ -11666,7 +11671,7 @@
               </a:ln>
               <a:extLst>
                 <a:ext uri="{91240B29-F687-4f45-9708-019B960494DF}">
-                  <a14:hiddenLine xmlns:a14="http://schemas.microsoft.com/office/drawing/2010/main" xmlns="" w="9525">
+                  <a14:hiddenLine xmlns="" xmlns:a14="http://schemas.microsoft.com/office/drawing/2010/main" w="9525">
                     <a:solidFill>
                       <a:srgbClr val="000000"/>
                     </a:solidFill>
@@ -11756,7 +11761,7 @@
               </a:ln>
               <a:extLst>
                 <a:ext uri="{91240B29-F687-4f45-9708-019B960494DF}">
-                  <a14:hiddenLine xmlns:a14="http://schemas.microsoft.com/office/drawing/2010/main" xmlns="" w="9525">
+                  <a14:hiddenLine xmlns="" xmlns:a14="http://schemas.microsoft.com/office/drawing/2010/main" w="9525">
                     <a:solidFill>
                       <a:srgbClr val="000000"/>
                     </a:solidFill>
@@ -11790,7 +11795,7 @@
               </a:ln>
               <a:extLst>
                 <a:ext uri="{91240B29-F687-4f45-9708-019B960494DF}">
-                  <a14:hiddenLine xmlns:a14="http://schemas.microsoft.com/office/drawing/2010/main" xmlns="" w="9525">
+                  <a14:hiddenLine xmlns="" xmlns:a14="http://schemas.microsoft.com/office/drawing/2010/main" w="9525">
                     <a:solidFill>
                       <a:srgbClr val="000000"/>
                     </a:solidFill>
@@ -11931,7 +11936,7 @@
             <a:fld id="{48A87A34-81AB-432B-8DAE-1953F412C126}" type="datetimeFigureOut">
               <a:rPr lang="en-US" dirty="0"/>
               <a:pPr/>
-              <a:t>5/15/2025</a:t>
+              <a:t>6/10/2025</a:t>
             </a:fld>
             <a:endParaRPr lang="en-US" dirty="0"/>
           </a:p>
@@ -12401,7 +12406,7 @@
           <a:bodyPr/>
           <a:lstStyle/>
           <a:p>
-            <a:endParaRPr lang="hr-HR"/>
+            <a:endParaRPr lang="en-US" noProof="0" dirty="0"/>
           </a:p>
         </p:txBody>
       </p:sp>
@@ -12415,13 +12420,13 @@
   <p:clrMapOvr>
     <a:masterClrMapping/>
   </p:clrMapOvr>
-  <mc:AlternateContent xmlns:mc="http://schemas.openxmlformats.org/markup-compatibility/2006">
-    <mc:Choice xmlns:p159="http://schemas.microsoft.com/office/powerpoint/2015/09/main" Requires="p159">
+  <mc:AlternateContent xmlns:mc="http://schemas.openxmlformats.org/markup-compatibility/2006" xmlns:p159="http://schemas.microsoft.com/office/powerpoint/2015/09/main">
+    <mc:Choice Requires="p159">
       <p:transition xmlns:p14="http://schemas.microsoft.com/office/powerpoint/2010/main" spd="slow" p14:dur="2000">
         <p159:morph option="byObject"/>
       </p:transition>
     </mc:Choice>
-    <mc:Fallback>
+    <mc:Fallback xmlns="">
       <p:transition spd="slow">
         <p:fade/>
       </p:transition>
@@ -12470,13 +12475,8 @@
           <a:p>
             <a:r>
               <a:rPr lang="en-US" noProof="0" dirty="0"/>
-              <a:t>Do’s and don’t</a:t>
+              <a:t>Do’s and don’ts</a:t>
             </a:r>
-            <a:r>
-              <a:rPr lang="hr-HR" noProof="0" dirty="0"/>
-              <a:t>s</a:t>
-            </a:r>
-            <a:endParaRPr lang="en-US" noProof="0" dirty="0"/>
           </a:p>
         </p:txBody>
       </p:sp>
@@ -12499,12 +12499,12 @@
         <p:spPr>
           <a:xfrm>
             <a:off x="1141412" y="2249486"/>
-            <a:ext cx="9905999" cy="3780377"/>
+            <a:ext cx="9905999" cy="3989996"/>
           </a:xfrm>
         </p:spPr>
         <p:txBody>
           <a:bodyPr>
-            <a:normAutofit/>
+            <a:normAutofit fontScale="92500" lnSpcReduction="20000"/>
           </a:bodyPr>
           <a:lstStyle/>
           <a:p>
@@ -12516,7 +12516,7 @@
           <a:p>
             <a:pPr lvl="1"/>
             <a:r>
-              <a:rPr lang="en-US" dirty="0"/>
+              <a:rPr lang="en-US" noProof="0" dirty="0"/>
               <a:t>Showcase two ideas: service discovery and http(s) client/server model</a:t>
             </a:r>
           </a:p>
@@ -12529,46 +12529,27 @@
           </a:p>
           <a:p>
             <a:pPr lvl="1"/>
-            <a:endParaRPr lang="hr-HR" dirty="0"/>
-          </a:p>
-          <a:p>
             <a:r>
-              <a:rPr lang="hr-HR" noProof="0" dirty="0" err="1"/>
-              <a:t>What</a:t>
+              <a:rPr lang="en-US" noProof="0" dirty="0"/>
+              <a:t>Showcase of a fully decentralized model  - this does not require a central server nor a central database to discover different equipment or facilitate communication between equipment within the same network</a:t>
             </a:r>
+          </a:p>
+          <a:p>
+            <a:pPr lvl="1"/>
+            <a:endParaRPr lang="en-US" noProof="0" dirty="0"/>
+          </a:p>
+          <a:p>
             <a:r>
-              <a:rPr lang="hr-HR" noProof="0" dirty="0"/>
-              <a:t> </a:t>
+              <a:rPr lang="en-US" noProof="0" dirty="0"/>
+              <a:t>What it isn’t</a:t>
             </a:r>
-            <a:r>
-              <a:rPr lang="hr-HR" noProof="0" dirty="0" err="1"/>
-              <a:t>it</a:t>
-            </a:r>
-            <a:r>
-              <a:rPr lang="hr-HR" noProof="0" dirty="0"/>
-              <a:t> </a:t>
-            </a:r>
-            <a:r>
-              <a:rPr lang="hr-HR" noProof="0" dirty="0" err="1"/>
-              <a:t>isn’t</a:t>
-            </a:r>
-            <a:endParaRPr lang="hr-HR" noProof="0" dirty="0"/>
           </a:p>
           <a:p>
             <a:pPr lvl="1"/>
             <a:r>
-              <a:rPr lang="hr-HR" noProof="0" dirty="0" err="1"/>
-              <a:t>This</a:t>
+              <a:rPr lang="en-US" noProof="0" dirty="0"/>
+              <a:t>It does not constitute a proposal for the adoption of any technologies or communication standards</a:t>
             </a:r>
-            <a:r>
-              <a:rPr lang="hr-HR" noProof="0" dirty="0"/>
-              <a:t> </a:t>
-            </a:r>
-            <a:r>
-              <a:rPr lang="en-US" noProof="0" dirty="0"/>
-              <a:t>does not constitute a proposal for the adoption of any technologies or communication standards</a:t>
-            </a:r>
-            <a:endParaRPr lang="hr-HR" noProof="0" dirty="0"/>
           </a:p>
           <a:p>
             <a:pPr lvl="1"/>
@@ -12589,13 +12570,13 @@
   <p:clrMapOvr>
     <a:masterClrMapping/>
   </p:clrMapOvr>
-  <mc:AlternateContent xmlns:mc="http://schemas.openxmlformats.org/markup-compatibility/2006">
-    <mc:Choice xmlns:p159="http://schemas.microsoft.com/office/powerpoint/2015/09/main" Requires="p159">
+  <mc:AlternateContent xmlns:mc="http://schemas.openxmlformats.org/markup-compatibility/2006" xmlns:p159="http://schemas.microsoft.com/office/powerpoint/2015/09/main">
+    <mc:Choice Requires="p159">
       <p:transition xmlns:p14="http://schemas.microsoft.com/office/powerpoint/2010/main" spd="slow" p14:dur="2000">
         <p159:morph option="byObject"/>
       </p:transition>
     </mc:Choice>
-    <mc:Fallback>
+    <mc:Fallback xmlns="">
       <p:transition spd="slow">
         <p:fade/>
       </p:transition>
@@ -12643,14 +12624,9 @@
           <a:lstStyle/>
           <a:p>
             <a:r>
-              <a:rPr lang="hr-HR" dirty="0"/>
-              <a:t>Service </a:t>
+              <a:rPr lang="en-US" noProof="0" dirty="0"/>
+              <a:t>Service discovery</a:t>
             </a:r>
-            <a:r>
-              <a:rPr lang="hr-HR" dirty="0" err="1"/>
-              <a:t>discovery</a:t>
-            </a:r>
-            <a:endParaRPr lang="hr-HR" dirty="0"/>
           </a:p>
         </p:txBody>
       </p:sp>
@@ -12676,163 +12652,48 @@
           <a:lstStyle/>
           <a:p>
             <a:r>
-              <a:rPr lang="hr-HR" dirty="0" err="1"/>
-              <a:t>Multicast</a:t>
+              <a:rPr lang="en-US" noProof="0" dirty="0"/>
+              <a:t>Multicast DNS </a:t>
             </a:r>
             <a:r>
-              <a:rPr lang="hr-HR" dirty="0"/>
-              <a:t> DNS </a:t>
-            </a:r>
-            <a:r>
-              <a:rPr lang="hr-HR" dirty="0" err="1"/>
+              <a:rPr lang="en-US" noProof="0" dirty="0" err="1"/>
               <a:t>vith</a:t>
             </a:r>
             <a:r>
-              <a:rPr lang="hr-HR" dirty="0"/>
+              <a:rPr lang="en-US" noProof="0" dirty="0"/>
               <a:t> DNS-SD</a:t>
             </a:r>
           </a:p>
           <a:p>
             <a:pPr lvl="1"/>
             <a:r>
-              <a:rPr lang="hr-HR" dirty="0"/>
-              <a:t>C</a:t>
+              <a:rPr lang="en-US" noProof="0" dirty="0"/>
+              <a:t>Networking protocol that resolves hostnames to IP addresses within small networks that do not include a local name server</a:t>
             </a:r>
-            <a:r>
-              <a:rPr lang="en-US" dirty="0" err="1"/>
-              <a:t>omputer</a:t>
-            </a:r>
-            <a:r>
-              <a:rPr lang="en-US" dirty="0"/>
-              <a:t> networking protocol that resolves hostnames to IP addresses within small networks that do not include a local name server</a:t>
-            </a:r>
-            <a:endParaRPr lang="hr-HR" dirty="0"/>
           </a:p>
           <a:p>
             <a:pPr lvl="1"/>
             <a:r>
-              <a:rPr lang="hr-HR" dirty="0"/>
-              <a:t>A zero-</a:t>
+              <a:rPr lang="en-US" noProof="0" dirty="0"/>
+              <a:t>A zero-configuration service, widely used, supported by all modern OS-s and IoT</a:t>
             </a:r>
-            <a:r>
-              <a:rPr lang="hr-HR" dirty="0" err="1"/>
-              <a:t>configuration</a:t>
-            </a:r>
-            <a:r>
-              <a:rPr lang="hr-HR" dirty="0"/>
-              <a:t> </a:t>
-            </a:r>
-            <a:r>
-              <a:rPr lang="hr-HR" dirty="0" err="1"/>
-              <a:t>service</a:t>
-            </a:r>
-            <a:r>
-              <a:rPr lang="hr-HR" dirty="0"/>
-              <a:t>, </a:t>
-            </a:r>
-            <a:r>
-              <a:rPr lang="hr-HR" dirty="0" err="1"/>
-              <a:t>widely</a:t>
-            </a:r>
-            <a:r>
-              <a:rPr lang="hr-HR" dirty="0"/>
-              <a:t> </a:t>
-            </a:r>
-            <a:r>
-              <a:rPr lang="hr-HR" dirty="0" err="1"/>
-              <a:t>used</a:t>
-            </a:r>
-            <a:r>
-              <a:rPr lang="hr-HR" dirty="0"/>
-              <a:t>, </a:t>
-            </a:r>
-            <a:r>
-              <a:rPr lang="hr-HR" dirty="0" err="1"/>
-              <a:t>supported</a:t>
-            </a:r>
-            <a:r>
-              <a:rPr lang="hr-HR" dirty="0"/>
-              <a:t> </a:t>
-            </a:r>
-            <a:r>
-              <a:rPr lang="hr-HR" dirty="0" err="1"/>
-              <a:t>by</a:t>
-            </a:r>
-            <a:r>
-              <a:rPr lang="hr-HR" dirty="0"/>
-              <a:t> </a:t>
-            </a:r>
-            <a:r>
-              <a:rPr lang="hr-HR" dirty="0" err="1"/>
-              <a:t>all</a:t>
-            </a:r>
-            <a:r>
-              <a:rPr lang="hr-HR" dirty="0"/>
-              <a:t> </a:t>
-            </a:r>
-            <a:r>
-              <a:rPr lang="hr-HR" dirty="0" err="1"/>
-              <a:t>modern</a:t>
-            </a:r>
-            <a:r>
-              <a:rPr lang="hr-HR" dirty="0"/>
-              <a:t> OS-s </a:t>
-            </a:r>
-            <a:r>
-              <a:rPr lang="hr-HR" dirty="0" err="1"/>
-              <a:t>and</a:t>
-            </a:r>
-            <a:r>
-              <a:rPr lang="hr-HR" dirty="0"/>
-              <a:t> </a:t>
-            </a:r>
-            <a:r>
-              <a:rPr lang="hr-HR" dirty="0" err="1"/>
-              <a:t>IoT</a:t>
-            </a:r>
-            <a:endParaRPr lang="hr-HR" dirty="0"/>
           </a:p>
           <a:p>
             <a:pPr lvl="1"/>
             <a:r>
-              <a:rPr lang="hr-HR" dirty="0"/>
-              <a:t>U</a:t>
+              <a:rPr lang="en-US" noProof="0" dirty="0"/>
+              <a:t>Uses DNS PTR, SRV, TXT records to advertise instances of service types, domain names for those instances, and optional configuration parameters for connecting to those instances</a:t>
             </a:r>
-            <a:r>
-              <a:rPr lang="en-US" dirty="0" err="1"/>
-              <a:t>ses</a:t>
-            </a:r>
-            <a:r>
-              <a:rPr lang="en-US" dirty="0"/>
-              <a:t> DNS PTR, SRV, TXT records to advertise instances of service types, domain names for those instances, and optional configuration parameters for connecting to those instances</a:t>
-            </a:r>
-            <a:endParaRPr lang="hr-HR" dirty="0"/>
           </a:p>
           <a:p>
             <a:pPr lvl="1"/>
             <a:r>
-              <a:rPr lang="hr-HR" dirty="0" err="1"/>
+              <a:rPr lang="en-US" noProof="0" dirty="0" err="1"/>
               <a:t>Standardised</a:t>
             </a:r>
             <a:r>
-              <a:rPr lang="hr-HR" dirty="0"/>
-              <a:t> </a:t>
-            </a:r>
-            <a:r>
-              <a:rPr lang="hr-HR" dirty="0" err="1"/>
-              <a:t>in</a:t>
-            </a:r>
-            <a:r>
-              <a:rPr lang="hr-HR" dirty="0"/>
-              <a:t> RFC 6762 </a:t>
-            </a:r>
-            <a:r>
-              <a:rPr lang="hr-HR" dirty="0" err="1"/>
-              <a:t>and</a:t>
-            </a:r>
-            <a:r>
-              <a:rPr lang="hr-HR" dirty="0"/>
-              <a:t> 6763</a:t>
+              <a:rPr lang="en-US" noProof="0" dirty="0"/>
+              <a:t> in RFC 6762 and 6763</a:t>
             </a:r>
           </a:p>
         </p:txBody>
@@ -12847,13 +12708,13 @@
   <p:clrMapOvr>
     <a:masterClrMapping/>
   </p:clrMapOvr>
-  <mc:AlternateContent xmlns:mc="http://schemas.openxmlformats.org/markup-compatibility/2006">
-    <mc:Choice xmlns:p159="http://schemas.microsoft.com/office/powerpoint/2015/09/main" Requires="p159">
+  <mc:AlternateContent xmlns:mc="http://schemas.openxmlformats.org/markup-compatibility/2006" xmlns:p159="http://schemas.microsoft.com/office/powerpoint/2015/09/main">
+    <mc:Choice Requires="p159">
       <p:transition xmlns:p14="http://schemas.microsoft.com/office/powerpoint/2010/main" spd="slow" p14:dur="2000">
         <p159:morph option="byObject"/>
       </p:transition>
     </mc:Choice>
-    <mc:Fallback>
+    <mc:Fallback xmlns="">
       <p:transition spd="slow">
         <p:fade/>
       </p:transition>
@@ -12901,10 +12762,9 @@
           <a:lstStyle/>
           <a:p>
             <a:r>
-              <a:rPr lang="en-US" dirty="0"/>
+              <a:rPr lang="en-US" noProof="0" dirty="0"/>
               <a:t>http(s) client/server model</a:t>
             </a:r>
-            <a:endParaRPr lang="hr-HR" dirty="0"/>
           </a:p>
         </p:txBody>
       </p:sp>
@@ -12931,15 +12791,7 @@
           <a:p>
             <a:r>
               <a:rPr lang="en-US" noProof="0" dirty="0"/>
-              <a:t>Communication model that powers </a:t>
-            </a:r>
-            <a:r>
-              <a:rPr lang="en-US" noProof="0" dirty="0" err="1"/>
-              <a:t>moden</a:t>
-            </a:r>
-            <a:r>
-              <a:rPr lang="en-US" noProof="0" dirty="0"/>
-              <a:t> WEB</a:t>
+              <a:t>Communication model that powers WEB</a:t>
             </a:r>
           </a:p>
           <a:p>
@@ -12947,67 +12799,22 @@
               <a:rPr lang="en-US" noProof="0" dirty="0"/>
               <a:t>Supported on every device that connects to internet</a:t>
             </a:r>
-            <a:endParaRPr lang="hr-HR" noProof="0" dirty="0"/>
           </a:p>
           <a:p>
             <a:r>
-              <a:rPr lang="hr-HR" dirty="0" err="1"/>
-              <a:t>Used</a:t>
+              <a:rPr lang="en-US" noProof="0" dirty="0"/>
+              <a:t>Used in HL7 FHIR to ensure broader </a:t>
             </a:r>
             <a:r>
-              <a:rPr lang="hr-HR" dirty="0"/>
-              <a:t> </a:t>
-            </a:r>
-            <a:r>
-              <a:rPr lang="hr-HR" dirty="0" err="1"/>
-              <a:t>in</a:t>
-            </a:r>
-            <a:r>
-              <a:rPr lang="hr-HR" dirty="0"/>
-              <a:t> HL7 FHIR to </a:t>
-            </a:r>
-            <a:r>
-              <a:rPr lang="hr-HR" dirty="0" err="1"/>
-              <a:t>ensure</a:t>
-            </a:r>
-            <a:r>
-              <a:rPr lang="hr-HR" dirty="0"/>
-              <a:t> </a:t>
-            </a:r>
-            <a:r>
-              <a:rPr lang="hr-HR" dirty="0" err="1"/>
-              <a:t>broader</a:t>
-            </a:r>
-            <a:r>
-              <a:rPr lang="hr-HR" dirty="0"/>
-              <a:t> </a:t>
-            </a:r>
-            <a:r>
-              <a:rPr lang="hr-HR" dirty="0" err="1"/>
+              <a:rPr lang="en-US" noProof="0" dirty="0" err="1"/>
               <a:t>compatibillity</a:t>
             </a:r>
             <a:r>
-              <a:rPr lang="hr-HR" dirty="0"/>
-              <a:t> </a:t>
+              <a:rPr lang="en-US" noProof="0" dirty="0"/>
+              <a:t> and faster </a:t>
             </a:r>
             <a:r>
-              <a:rPr lang="hr-HR" dirty="0" err="1"/>
-              <a:t>and</a:t>
-            </a:r>
-            <a:r>
-              <a:rPr lang="hr-HR" dirty="0"/>
-              <a:t> </a:t>
-            </a:r>
-            <a:r>
-              <a:rPr lang="hr-HR" dirty="0" err="1"/>
-              <a:t>faster</a:t>
-            </a:r>
-            <a:r>
-              <a:rPr lang="hr-HR" dirty="0"/>
-              <a:t> </a:t>
-            </a:r>
-            <a:r>
-              <a:rPr lang="hr-HR" dirty="0" err="1"/>
+              <a:rPr lang="en-US" noProof="0" dirty="0" err="1"/>
               <a:t>developement</a:t>
             </a:r>
             <a:endParaRPr lang="en-US" noProof="0" dirty="0"/>
@@ -13024,13 +12831,13 @@
   <p:clrMapOvr>
     <a:masterClrMapping/>
   </p:clrMapOvr>
-  <mc:AlternateContent xmlns:mc="http://schemas.openxmlformats.org/markup-compatibility/2006">
-    <mc:Choice xmlns:p159="http://schemas.microsoft.com/office/powerpoint/2015/09/main" Requires="p159">
+  <mc:AlternateContent xmlns:mc="http://schemas.openxmlformats.org/markup-compatibility/2006" xmlns:p159="http://schemas.microsoft.com/office/powerpoint/2015/09/main">
+    <mc:Choice Requires="p159">
       <p:transition xmlns:p14="http://schemas.microsoft.com/office/powerpoint/2010/main" spd="slow" p14:dur="2000">
         <p159:morph option="byObject"/>
       </p:transition>
     </mc:Choice>
-    <mc:Fallback>
+    <mc:Fallback xmlns="">
       <p:transition spd="slow">
         <p:fade/>
       </p:transition>
@@ -13078,7 +12885,7 @@
           <a:lstStyle/>
           <a:p>
             <a:r>
-              <a:rPr lang="hr-HR" dirty="0"/>
+              <a:rPr lang="en-US" noProof="0" dirty="0"/>
               <a:t>Data model</a:t>
             </a:r>
           </a:p>
@@ -13108,7 +12915,7 @@
         </p:spPr>
         <p:txBody>
           <a:bodyPr>
-            <a:normAutofit fontScale="92500"/>
+            <a:normAutofit fontScale="77500" lnSpcReduction="20000"/>
           </a:bodyPr>
           <a:lstStyle/>
           <a:p>
@@ -13116,6 +12923,7 @@
               <a:rPr lang="en-US" noProof="0" dirty="0"/>
               <a:t>All transactions follow the same model:</a:t>
             </a:r>
+            <a:endParaRPr lang="hr-HR" noProof="0" dirty="0"/>
           </a:p>
           <a:p>
             <a:endParaRPr lang="en-US" noProof="0" dirty="0"/>
@@ -13131,6 +12939,34 @@
           </a:p>
           <a:p>
             <a:endParaRPr lang="en-US" noProof="0" dirty="0"/>
+          </a:p>
+          <a:p>
+            <a:r>
+              <a:rPr lang="en-US" noProof="0" dirty="0"/>
+              <a:t>Two </a:t>
+            </a:r>
+            <a:r>
+              <a:rPr lang="hr-HR" noProof="0" dirty="0"/>
+              <a:t>HTTP</a:t>
+            </a:r>
+            <a:r>
+              <a:rPr lang="en-US" noProof="0" dirty="0"/>
+              <a:t> endpoints – /inventory and /dispense</a:t>
+            </a:r>
+          </a:p>
+          <a:p>
+            <a:r>
+              <a:rPr lang="en-US" noProof="0" dirty="0"/>
+              <a:t>Support for single and multiple medication within the same s</a:t>
+            </a:r>
+            <a:r>
+              <a:rPr lang="hr-HR" noProof="0" dirty="0" err="1"/>
+              <a:t>tock</a:t>
+            </a:r>
+            <a:r>
+              <a:rPr lang="en-US" noProof="0" dirty="0"/>
+              <a:t> or dispense requests</a:t>
+            </a:r>
           </a:p>
           <a:p>
             <a:r>
@@ -13162,7 +12998,7 @@
         </p:blipFill>
         <p:spPr>
           <a:xfrm>
-            <a:off x="6924231" y="2561875"/>
+            <a:off x="6866431" y="2190249"/>
             <a:ext cx="3763896" cy="2477501"/>
           </a:xfrm>
           <a:prstGeom prst="rect">
@@ -13192,7 +13028,7 @@
         </p:blipFill>
         <p:spPr>
           <a:xfrm>
-            <a:off x="1503873" y="3429000"/>
+            <a:off x="1503873" y="2693710"/>
             <a:ext cx="4945474" cy="1610376"/>
           </a:xfrm>
           <a:prstGeom prst="rect">
@@ -13210,13 +13046,13 @@
   <p:clrMapOvr>
     <a:masterClrMapping/>
   </p:clrMapOvr>
-  <mc:AlternateContent xmlns:mc="http://schemas.openxmlformats.org/markup-compatibility/2006">
-    <mc:Choice xmlns:p159="http://schemas.microsoft.com/office/powerpoint/2015/09/main" Requires="p159">
+  <mc:AlternateContent xmlns:mc="http://schemas.openxmlformats.org/markup-compatibility/2006" xmlns:p159="http://schemas.microsoft.com/office/powerpoint/2015/09/main">
+    <mc:Choice Requires="p159">
       <p:transition xmlns:p14="http://schemas.microsoft.com/office/powerpoint/2010/main" spd="slow" p14:dur="2000">
         <p159:morph option="byObject"/>
       </p:transition>
     </mc:Choice>
-    <mc:Fallback>
+    <mc:Fallback xmlns="">
       <p:transition spd="slow">
         <p:fade/>
       </p:transition>
